--- a/Audience API v2.pptx
+++ b/Audience API v2.pptx
@@ -10,11 +10,14 @@
     <p:sldId id="257" r:id="rId4"/>
     <p:sldId id="258" r:id="rId5"/>
     <p:sldId id="268" r:id="rId6"/>
-    <p:sldId id="263" r:id="rId7"/>
-    <p:sldId id="264" r:id="rId8"/>
-    <p:sldId id="265" r:id="rId9"/>
-    <p:sldId id="266" r:id="rId10"/>
-    <p:sldId id="267" r:id="rId11"/>
+    <p:sldId id="269" r:id="rId7"/>
+    <p:sldId id="270" r:id="rId8"/>
+    <p:sldId id="263" r:id="rId9"/>
+    <p:sldId id="264" r:id="rId10"/>
+    <p:sldId id="265" r:id="rId11"/>
+    <p:sldId id="266" r:id="rId12"/>
+    <p:sldId id="267" r:id="rId13"/>
+    <p:sldId id="271" r:id="rId14"/>
   </p:sldIdLst>
   <p:sldSz cx="12192000" cy="6858000"/>
   <p:notesSz cx="6858000" cy="9144000"/>
@@ -113,6 +116,11 @@
       </a:defRPr>
     </a:lvl9pPr>
   </p:defaultTextStyle>
+  <p:extLst>
+    <p:ext uri="{EFAFB233-063F-42B5-8137-9DF3F51BA10A}">
+      <p15:sldGuideLst xmlns:p15="http://schemas.microsoft.com/office/powerpoint/2012/main"/>
+    </p:ext>
+  </p:extLst>
 </p:presentation>
 </file>
 
@@ -3514,6 +3522,275 @@
           <a:p>
             <a:r>
               <a:rPr lang="zh-TW" altLang="en-US" dirty="0" smtClean="0"/>
+              <a:t>專案使用方法</a:t>
+            </a:r>
+            <a:endParaRPr lang="zh-TW" altLang="en-US" dirty="0"/>
+          </a:p>
+        </p:txBody>
+      </p:sp>
+      <p:sp>
+        <p:nvSpPr>
+          <p:cNvPr id="3" name="內容版面配置區 2"/>
+          <p:cNvSpPr>
+            <a:spLocks noGrp="1"/>
+          </p:cNvSpPr>
+          <p:nvPr>
+            <p:ph idx="1"/>
+          </p:nvPr>
+        </p:nvSpPr>
+        <p:spPr/>
+        <p:txBody>
+          <a:bodyPr/>
+          <a:lstStyle/>
+          <a:p>
+            <a:r>
+              <a:rPr lang="zh-TW" altLang="en-US" dirty="0" smtClean="0"/>
+              <a:t>使用者可以先透過 </a:t>
+            </a:r>
+            <a:r>
+              <a:rPr lang="en-US" altLang="zh-TW" dirty="0"/>
+              <a:t>S</a:t>
+            </a:r>
+            <a:r>
+              <a:rPr lang="en-US" altLang="zh-TW" dirty="0" smtClean="0"/>
+              <a:t>wagger UI </a:t>
+            </a:r>
+            <a:r>
+              <a:rPr lang="zh-TW" altLang="en-US" dirty="0" smtClean="0"/>
+              <a:t>網頁介面測試 </a:t>
+            </a:r>
+            <a:r>
+              <a:rPr lang="en-US" altLang="zh-TW" dirty="0" smtClean="0"/>
+              <a:t>API</a:t>
+            </a:r>
+            <a:endParaRPr lang="en-US" altLang="zh-TW" dirty="0"/>
+          </a:p>
+          <a:p>
+            <a:r>
+              <a:rPr lang="zh-TW" altLang="en-US" dirty="0" smtClean="0"/>
+              <a:t>或是經由 </a:t>
+            </a:r>
+            <a:r>
+              <a:rPr lang="en-US" altLang="zh-TW" dirty="0" smtClean="0"/>
+              <a:t>CURL </a:t>
+            </a:r>
+            <a:r>
+              <a:rPr lang="zh-TW" altLang="en-US" dirty="0" smtClean="0"/>
+              <a:t>方法使用 </a:t>
+            </a:r>
+            <a:r>
+              <a:rPr lang="en-US" altLang="zh-TW" dirty="0" smtClean="0"/>
+              <a:t>API</a:t>
+            </a:r>
+          </a:p>
+          <a:p>
+            <a:r>
+              <a:rPr lang="zh-TW" altLang="en-US" dirty="0" smtClean="0"/>
+              <a:t>詳細操作方法請</a:t>
+            </a:r>
+            <a:r>
+              <a:rPr lang="zh-TW" altLang="en-US" dirty="0"/>
+              <a:t>參考</a:t>
+            </a:r>
+            <a:r>
+              <a:rPr lang="zh-TW" altLang="en-US" dirty="0" smtClean="0"/>
+              <a:t> </a:t>
+            </a:r>
+            <a:r>
+              <a:rPr lang="en-US" altLang="zh-TW" dirty="0">
+                <a:hlinkClick r:id="rId2"/>
+              </a:rPr>
+              <a:t>Audience API : Usage</a:t>
+            </a:r>
+            <a:endParaRPr lang="en-US" altLang="zh-TW" dirty="0"/>
+          </a:p>
+          <a:p>
+            <a:pPr marL="45720" indent="0">
+              <a:buNone/>
+            </a:pPr>
+            <a:endParaRPr lang="zh-TW" altLang="en-US" dirty="0"/>
+          </a:p>
+        </p:txBody>
+      </p:sp>
+    </p:spTree>
+    <p:extLst>
+      <p:ext uri="{BB962C8B-B14F-4D97-AF65-F5344CB8AC3E}">
+        <p14:creationId xmlns:p14="http://schemas.microsoft.com/office/powerpoint/2010/main" val="597121352"/>
+      </p:ext>
+    </p:extLst>
+  </p:cSld>
+  <p:clrMapOvr>
+    <a:masterClrMapping/>
+  </p:clrMapOvr>
+</p:sld>
+</file>
+
+<file path=ppt/slides/slide11.xml><?xml version="1.0" encoding="utf-8"?>
+<p:sld xmlns:a="http://schemas.openxmlformats.org/drawingml/2006/main" xmlns:r="http://schemas.openxmlformats.org/officeDocument/2006/relationships" xmlns:p="http://schemas.openxmlformats.org/presentationml/2006/main">
+  <p:cSld>
+    <p:spTree>
+      <p:nvGrpSpPr>
+        <p:cNvPr id="1" name=""/>
+        <p:cNvGrpSpPr/>
+        <p:nvPr/>
+      </p:nvGrpSpPr>
+      <p:grpSpPr>
+        <a:xfrm>
+          <a:off x="0" y="0"/>
+          <a:ext cx="0" cy="0"/>
+          <a:chOff x="0" y="0"/>
+          <a:chExt cx="0" cy="0"/>
+        </a:xfrm>
+      </p:grpSpPr>
+      <p:sp>
+        <p:nvSpPr>
+          <p:cNvPr id="2" name="標題 1"/>
+          <p:cNvSpPr>
+            <a:spLocks noGrp="1"/>
+          </p:cNvSpPr>
+          <p:nvPr>
+            <p:ph type="title"/>
+          </p:nvPr>
+        </p:nvSpPr>
+        <p:spPr/>
+        <p:txBody>
+          <a:bodyPr/>
+          <a:lstStyle/>
+          <a:p>
+            <a:r>
+              <a:rPr lang="zh-TW" altLang="en-US" dirty="0" smtClean="0"/>
+              <a:t>錯誤代碼說明</a:t>
+            </a:r>
+            <a:endParaRPr lang="zh-TW" altLang="en-US" dirty="0"/>
+          </a:p>
+        </p:txBody>
+      </p:sp>
+      <p:sp>
+        <p:nvSpPr>
+          <p:cNvPr id="3" name="內容版面配置區 2"/>
+          <p:cNvSpPr>
+            <a:spLocks noGrp="1"/>
+          </p:cNvSpPr>
+          <p:nvPr>
+            <p:ph idx="1"/>
+          </p:nvPr>
+        </p:nvSpPr>
+        <p:spPr/>
+        <p:txBody>
+          <a:bodyPr/>
+          <a:lstStyle/>
+          <a:p>
+            <a:r>
+              <a:rPr lang="zh-TW" altLang="en-US" dirty="0" smtClean="0"/>
+              <a:t>此專案錯誤代碼分為 </a:t>
+            </a:r>
+            <a:r>
+              <a:rPr lang="en-US" altLang="zh-TW" dirty="0" smtClean="0"/>
+              <a:t>:</a:t>
+            </a:r>
+            <a:r>
+              <a:rPr lang="zh-TW" altLang="en-US" dirty="0" smtClean="0"/>
+              <a:t> </a:t>
+            </a:r>
+            <a:endParaRPr lang="en-US" altLang="zh-TW" dirty="0" smtClean="0"/>
+          </a:p>
+          <a:p>
+            <a:pPr lvl="1"/>
+            <a:r>
+              <a:rPr lang="en-US" altLang="zh-TW" dirty="0" smtClean="0"/>
+              <a:t>HTTP</a:t>
+            </a:r>
+            <a:r>
+              <a:rPr lang="zh-TW" altLang="en-US" dirty="0" smtClean="0"/>
+              <a:t>錯誤代碼</a:t>
+            </a:r>
+            <a:endParaRPr lang="en-US" altLang="zh-TW" dirty="0" smtClean="0"/>
+          </a:p>
+          <a:p>
+            <a:pPr lvl="1"/>
+            <a:r>
+              <a:rPr lang="zh-TW" altLang="en-US" dirty="0" smtClean="0"/>
+              <a:t>任務錯誤代碼</a:t>
+            </a:r>
+            <a:endParaRPr lang="en-US" altLang="zh-TW" dirty="0" smtClean="0"/>
+          </a:p>
+          <a:p>
+            <a:r>
+              <a:rPr lang="zh-TW" altLang="en-US" dirty="0" smtClean="0"/>
+              <a:t>根據不同 </a:t>
+            </a:r>
+            <a:r>
+              <a:rPr lang="en-US" altLang="zh-TW" dirty="0" smtClean="0"/>
+              <a:t>API</a:t>
+            </a:r>
+            <a:r>
+              <a:rPr lang="zh-TW" altLang="en-US" dirty="0" smtClean="0"/>
+              <a:t> 任務，代碼會有不同的訊息</a:t>
+            </a:r>
+            <a:endParaRPr lang="en-US" altLang="zh-TW" dirty="0" smtClean="0"/>
+          </a:p>
+          <a:p>
+            <a:r>
+              <a:rPr lang="zh-TW" altLang="en-US" dirty="0" smtClean="0"/>
+              <a:t>代碼詳細內容請參考 </a:t>
+            </a:r>
+            <a:r>
+              <a:rPr lang="en-US" altLang="zh-TW" dirty="0" smtClean="0">
+                <a:hlinkClick r:id="rId2"/>
+              </a:rPr>
+              <a:t>Audience API : Error code</a:t>
+            </a:r>
+            <a:endParaRPr lang="zh-TW" altLang="en-US" dirty="0"/>
+          </a:p>
+        </p:txBody>
+      </p:sp>
+    </p:spTree>
+    <p:extLst>
+      <p:ext uri="{BB962C8B-B14F-4D97-AF65-F5344CB8AC3E}">
+        <p14:creationId xmlns:p14="http://schemas.microsoft.com/office/powerpoint/2010/main" val="2835559372"/>
+      </p:ext>
+    </p:extLst>
+  </p:cSld>
+  <p:clrMapOvr>
+    <a:masterClrMapping/>
+  </p:clrMapOvr>
+</p:sld>
+</file>
+
+<file path=ppt/slides/slide12.xml><?xml version="1.0" encoding="utf-8"?>
+<p:sld xmlns:a="http://schemas.openxmlformats.org/drawingml/2006/main" xmlns:r="http://schemas.openxmlformats.org/officeDocument/2006/relationships" xmlns:p="http://schemas.openxmlformats.org/presentationml/2006/main">
+  <p:cSld>
+    <p:spTree>
+      <p:nvGrpSpPr>
+        <p:cNvPr id="1" name=""/>
+        <p:cNvGrpSpPr/>
+        <p:nvPr/>
+      </p:nvGrpSpPr>
+      <p:grpSpPr>
+        <a:xfrm>
+          <a:off x="0" y="0"/>
+          <a:ext cx="0" cy="0"/>
+          <a:chOff x="0" y="0"/>
+          <a:chExt cx="0" cy="0"/>
+        </a:xfrm>
+      </p:grpSpPr>
+      <p:sp>
+        <p:nvSpPr>
+          <p:cNvPr id="2" name="標題 1"/>
+          <p:cNvSpPr>
+            <a:spLocks noGrp="1"/>
+          </p:cNvSpPr>
+          <p:nvPr>
+            <p:ph type="title"/>
+          </p:nvPr>
+        </p:nvSpPr>
+        <p:spPr/>
+        <p:txBody>
+          <a:bodyPr/>
+          <a:lstStyle/>
+          <a:p>
+            <a:r>
+              <a:rPr lang="zh-TW" altLang="en-US" dirty="0" smtClean="0"/>
               <a:t>專案部屬需求</a:t>
             </a:r>
             <a:endParaRPr lang="zh-TW" altLang="en-US" dirty="0"/>
@@ -3532,10 +3809,106 @@
         </p:nvSpPr>
         <p:spPr/>
         <p:txBody>
-          <a:bodyPr/>
-          <a:lstStyle/>
-          <a:p>
-            <a:endParaRPr lang="zh-TW" altLang="en-US"/>
+          <a:bodyPr>
+            <a:normAutofit/>
+          </a:bodyPr>
+          <a:lstStyle/>
+          <a:p>
+            <a:r>
+              <a:rPr lang="zh-TW" altLang="en-US" dirty="0" smtClean="0"/>
+              <a:t>系統 </a:t>
+            </a:r>
+            <a:r>
+              <a:rPr lang="en-US" altLang="zh-TW" dirty="0" smtClean="0"/>
+              <a:t>:</a:t>
+            </a:r>
+            <a:r>
+              <a:rPr lang="zh-TW" altLang="en-US" dirty="0" smtClean="0"/>
+              <a:t> </a:t>
+            </a:r>
+            <a:endParaRPr lang="en-US" altLang="zh-TW" dirty="0" smtClean="0"/>
+          </a:p>
+          <a:p>
+            <a:pPr lvl="1"/>
+            <a:r>
+              <a:rPr lang="en-US" altLang="zh-TW" dirty="0" smtClean="0"/>
+              <a:t>Ubuntu 18.04.6 LTS </a:t>
+            </a:r>
+          </a:p>
+          <a:p>
+            <a:pPr lvl="1"/>
+            <a:r>
+              <a:rPr lang="en-US" altLang="zh-TW" dirty="0" smtClean="0"/>
+              <a:t>Windows 10 (</a:t>
+            </a:r>
+            <a:r>
+              <a:rPr lang="zh-TW" altLang="en-US" dirty="0" smtClean="0"/>
+              <a:t>不支援平行處理</a:t>
+            </a:r>
+            <a:r>
+              <a:rPr lang="en-US" altLang="zh-TW" dirty="0" smtClean="0"/>
+              <a:t>)</a:t>
+            </a:r>
+          </a:p>
+          <a:p>
+            <a:r>
+              <a:rPr lang="en-US" altLang="zh-TW" dirty="0" smtClean="0"/>
+              <a:t>Python :</a:t>
+            </a:r>
+            <a:r>
+              <a:rPr lang="zh-TW" altLang="en-US" dirty="0" smtClean="0"/>
+              <a:t> </a:t>
+            </a:r>
+            <a:r>
+              <a:rPr lang="en-US" altLang="zh-TW" dirty="0" smtClean="0"/>
+              <a:t>Python 3.8</a:t>
+            </a:r>
+          </a:p>
+          <a:p>
+            <a:r>
+              <a:rPr lang="en-US" altLang="zh-TW" dirty="0" smtClean="0"/>
+              <a:t>CPU</a:t>
+            </a:r>
+            <a:r>
+              <a:rPr lang="zh-TW" altLang="en-US" dirty="0" smtClean="0"/>
+              <a:t> </a:t>
+            </a:r>
+            <a:r>
+              <a:rPr lang="en-US" altLang="zh-TW" dirty="0"/>
+              <a:t>: Intel(R) Core(TM) i5-8259U </a:t>
+            </a:r>
+            <a:r>
+              <a:rPr lang="zh-TW" altLang="en-US" dirty="0" smtClean="0"/>
+              <a:t>同等或以上之處理器</a:t>
+            </a:r>
+            <a:endParaRPr lang="en-US" altLang="zh-TW" dirty="0" smtClean="0"/>
+          </a:p>
+          <a:p>
+            <a:r>
+              <a:rPr lang="en-US" altLang="zh-TW" dirty="0" smtClean="0"/>
+              <a:t>RAM</a:t>
+            </a:r>
+            <a:r>
+              <a:rPr lang="zh-TW" altLang="en-US" dirty="0" smtClean="0"/>
+              <a:t> </a:t>
+            </a:r>
+            <a:r>
+              <a:rPr lang="en-US" altLang="zh-TW" dirty="0" smtClean="0"/>
+              <a:t>:</a:t>
+            </a:r>
+            <a:r>
+              <a:rPr lang="zh-TW" altLang="en-US" dirty="0" smtClean="0"/>
+              <a:t> </a:t>
+            </a:r>
+            <a:r>
+              <a:rPr lang="en-US" altLang="zh-TW" dirty="0" smtClean="0"/>
+              <a:t>16G </a:t>
+            </a:r>
+            <a:r>
+              <a:rPr lang="zh-TW" altLang="en-US" dirty="0" smtClean="0"/>
+              <a:t>同等或以上</a:t>
+            </a:r>
+            <a:endParaRPr lang="en-US" altLang="zh-TW" dirty="0" smtClean="0"/>
           </a:p>
         </p:txBody>
       </p:sp>
@@ -3543,6 +3916,145 @@
     <p:extLst>
       <p:ext uri="{BB962C8B-B14F-4D97-AF65-F5344CB8AC3E}">
         <p14:creationId xmlns:p14="http://schemas.microsoft.com/office/powerpoint/2010/main" val="3025683702"/>
+      </p:ext>
+    </p:extLst>
+  </p:cSld>
+  <p:clrMapOvr>
+    <a:masterClrMapping/>
+  </p:clrMapOvr>
+</p:sld>
+</file>
+
+<file path=ppt/slides/slide13.xml><?xml version="1.0" encoding="utf-8"?>
+<p:sld xmlns:a="http://schemas.openxmlformats.org/drawingml/2006/main" xmlns:r="http://schemas.openxmlformats.org/officeDocument/2006/relationships" xmlns:p="http://schemas.openxmlformats.org/presentationml/2006/main">
+  <p:cSld>
+    <p:spTree>
+      <p:nvGrpSpPr>
+        <p:cNvPr id="1" name=""/>
+        <p:cNvGrpSpPr/>
+        <p:nvPr/>
+      </p:nvGrpSpPr>
+      <p:grpSpPr>
+        <a:xfrm>
+          <a:off x="0" y="0"/>
+          <a:ext cx="0" cy="0"/>
+          <a:chOff x="0" y="0"/>
+          <a:chExt cx="0" cy="0"/>
+        </a:xfrm>
+      </p:grpSpPr>
+      <p:sp>
+        <p:nvSpPr>
+          <p:cNvPr id="2" name="標題 1"/>
+          <p:cNvSpPr>
+            <a:spLocks noGrp="1"/>
+          </p:cNvSpPr>
+          <p:nvPr>
+            <p:ph type="title"/>
+          </p:nvPr>
+        </p:nvSpPr>
+        <p:spPr/>
+        <p:txBody>
+          <a:bodyPr/>
+          <a:lstStyle/>
+          <a:p>
+            <a:r>
+              <a:rPr lang="zh-TW" altLang="en-US" dirty="0" smtClean="0"/>
+              <a:t>基本測試</a:t>
+            </a:r>
+            <a:endParaRPr lang="zh-TW" altLang="en-US" dirty="0"/>
+          </a:p>
+        </p:txBody>
+      </p:sp>
+      <p:sp>
+        <p:nvSpPr>
+          <p:cNvPr id="3" name="內容版面配置區 2"/>
+          <p:cNvSpPr>
+            <a:spLocks noGrp="1"/>
+          </p:cNvSpPr>
+          <p:nvPr>
+            <p:ph idx="1"/>
+          </p:nvPr>
+        </p:nvSpPr>
+        <p:spPr/>
+        <p:txBody>
+          <a:bodyPr/>
+          <a:lstStyle/>
+          <a:p>
+            <a:r>
+              <a:rPr lang="zh-TW" altLang="en-US" dirty="0" smtClean="0"/>
+              <a:t>資料筆數 </a:t>
+            </a:r>
+            <a:r>
+              <a:rPr lang="en-US" altLang="zh-TW" dirty="0" smtClean="0"/>
+              <a:t>: </a:t>
+            </a:r>
+            <a:r>
+              <a:rPr lang="en-US" altLang="zh-TW" dirty="0"/>
+              <a:t>2,376,186 rows</a:t>
+            </a:r>
+          </a:p>
+          <a:p>
+            <a:r>
+              <a:rPr lang="zh-TW" altLang="en-US" dirty="0" smtClean="0"/>
+              <a:t>預測模型 </a:t>
+            </a:r>
+            <a:r>
+              <a:rPr lang="en-US" altLang="zh-TW" dirty="0" smtClean="0"/>
+              <a:t>: keyword</a:t>
+            </a:r>
+            <a:r>
+              <a:rPr lang="zh-TW" altLang="en-US" dirty="0" smtClean="0"/>
+              <a:t> </a:t>
+            </a:r>
+            <a:r>
+              <a:rPr lang="en-US" altLang="zh-TW" dirty="0" smtClean="0"/>
+              <a:t>base </a:t>
+            </a:r>
+            <a:r>
+              <a:rPr lang="en-US" altLang="zh-TW" dirty="0"/>
+              <a:t>model</a:t>
+            </a:r>
+          </a:p>
+          <a:p>
+            <a:r>
+              <a:rPr lang="zh-TW" altLang="en-US" dirty="0" smtClean="0"/>
+              <a:t>花費貼標時間 </a:t>
+            </a:r>
+            <a:r>
+              <a:rPr lang="en-US" altLang="zh-TW" dirty="0" smtClean="0"/>
+              <a:t>: </a:t>
+            </a:r>
+            <a:r>
+              <a:rPr lang="en-US" altLang="zh-TW" dirty="0"/>
+              <a:t>23.26 minutes</a:t>
+            </a:r>
+          </a:p>
+          <a:p>
+            <a:r>
+              <a:rPr lang="zh-TW" altLang="en-US" dirty="0" smtClean="0"/>
+              <a:t>最大記憶體使用量 </a:t>
+            </a:r>
+            <a:r>
+              <a:rPr lang="en-US" altLang="zh-TW" dirty="0" smtClean="0"/>
+              <a:t>: </a:t>
+            </a:r>
+            <a:r>
+              <a:rPr lang="en-US" altLang="zh-TW" dirty="0"/>
+              <a:t>201.80 Mb</a:t>
+            </a:r>
+          </a:p>
+          <a:p>
+            <a:pPr marL="45720" indent="0">
+              <a:buNone/>
+            </a:pPr>
+            <a:endParaRPr lang="zh-TW" altLang="en-US" dirty="0"/>
+          </a:p>
+        </p:txBody>
+      </p:sp>
+    </p:spTree>
+    <p:extLst>
+      <p:ext uri="{BB962C8B-B14F-4D97-AF65-F5344CB8AC3E}">
+        <p14:creationId xmlns:p14="http://schemas.microsoft.com/office/powerpoint/2010/main" val="3643865659"/>
       </p:ext>
     </p:extLst>
   </p:cSld>
@@ -4065,7 +4577,7 @@
         </p:blipFill>
         <p:spPr>
           <a:xfrm>
-            <a:off x="6296891" y="260658"/>
+            <a:off x="5931131" y="260658"/>
             <a:ext cx="5390803" cy="6335978"/>
           </a:xfrm>
           <a:prstGeom prst="rect">
@@ -4093,7 +4605,43 @@
           <a:bodyPr/>
           <a:lstStyle/>
           <a:p>
-            <a:endParaRPr lang="zh-TW" altLang="en-US" dirty="0"/>
+            <a:r>
+              <a:rPr lang="en-US" altLang="zh-TW" dirty="0" smtClean="0"/>
+              <a:t>API</a:t>
+            </a:r>
+            <a:r>
+              <a:rPr lang="zh-TW" altLang="en-US" dirty="0" smtClean="0"/>
+              <a:t> </a:t>
+            </a:r>
+            <a:endParaRPr lang="en-US" altLang="zh-TW" dirty="0" smtClean="0"/>
+          </a:p>
+          <a:p>
+            <a:r>
+              <a:rPr lang="en-US" altLang="zh-TW" dirty="0" smtClean="0"/>
+              <a:t>Task flow (celery canvas)</a:t>
+            </a:r>
+            <a:endParaRPr lang="en-US" altLang="zh-TW" dirty="0"/>
+          </a:p>
+          <a:p>
+            <a:r>
+              <a:rPr lang="en-US" altLang="zh-TW" dirty="0" smtClean="0"/>
+              <a:t>Label task </a:t>
+            </a:r>
+          </a:p>
+          <a:p>
+            <a:r>
+              <a:rPr lang="en-US" altLang="zh-TW" dirty="0" smtClean="0"/>
+              <a:t>Generate production task</a:t>
+            </a:r>
+          </a:p>
+          <a:p>
+            <a:pPr marL="45720" indent="0">
+              <a:buNone/>
+            </a:pPr>
+            <a:r>
+              <a:rPr lang="en-US" altLang="zh-TW" dirty="0" smtClean="0"/>
+              <a:t> </a:t>
+            </a:r>
           </a:p>
         </p:txBody>
       </p:sp>
@@ -4205,14 +4753,10 @@
         </p:spPr>
         <p:txBody>
           <a:bodyPr>
-            <a:normAutofit fontScale="92500" lnSpcReduction="10000"/>
+            <a:normAutofit fontScale="92500"/>
           </a:bodyPr>
           <a:lstStyle/>
           <a:p>
-            <a:pPr marL="502920" indent="-457200">
-              <a:buFont typeface="+mj-lt"/>
-              <a:buAutoNum type="arabicPeriod"/>
-            </a:pPr>
             <a:r>
               <a:rPr lang="zh-TW" altLang="en-US" dirty="0" smtClean="0"/>
               <a:t>使用者透過 </a:t>
@@ -4256,10 +4800,6 @@
             <a:endParaRPr lang="en-US" altLang="zh-TW" dirty="0" smtClean="0"/>
           </a:p>
           <a:p>
-            <a:pPr marL="502920" indent="-457200">
-              <a:buFont typeface="+mj-lt"/>
-              <a:buAutoNum type="arabicPeriod"/>
-            </a:pPr>
             <a:r>
               <a:rPr lang="zh-TW" altLang="en-US" dirty="0" smtClean="0"/>
               <a:t>執行中任務流程會將任務與結果相關資訊儲存於 </a:t>
@@ -4275,10 +4815,6 @@
             <a:endParaRPr lang="en-US" altLang="zh-TW" dirty="0" smtClean="0"/>
           </a:p>
           <a:p>
-            <a:pPr marL="502920" indent="-457200">
-              <a:buFont typeface="+mj-lt"/>
-              <a:buAutoNum type="arabicPeriod"/>
-            </a:pPr>
             <a:r>
               <a:rPr lang="zh-TW" altLang="en-US" dirty="0" smtClean="0"/>
               <a:t>使用者</a:t>
@@ -4330,10 +4866,6 @@
             <a:endParaRPr lang="en-US" altLang="zh-TW" dirty="0" smtClean="0"/>
           </a:p>
           <a:p>
-            <a:pPr marL="502920" indent="-457200">
-              <a:buFont typeface="+mj-lt"/>
-              <a:buAutoNum type="arabicPeriod"/>
-            </a:pPr>
             <a:r>
               <a:rPr lang="zh-TW" altLang="en-US" dirty="0" smtClean="0"/>
               <a:t>當任務流程成功執行結束，使用者可以透過</a:t>
@@ -4408,7 +4940,23 @@
           <a:p>
             <a:r>
               <a:rPr lang="zh-TW" altLang="en-US" dirty="0" smtClean="0"/>
-              <a:t>專案工具</a:t>
+              <a:t>專案流程</a:t>
+            </a:r>
+            <a:r>
+              <a:rPr lang="en-US" altLang="zh-TW" dirty="0"/>
+              <a:t> </a:t>
+            </a:r>
+            <a:r>
+              <a:rPr lang="en-US" altLang="zh-TW" dirty="0" smtClean="0"/>
+              <a:t>(</a:t>
+            </a:r>
+            <a:r>
+              <a:rPr lang="en-US" altLang="zh-TW" dirty="0" smtClean="0"/>
+              <a:t>task flow</a:t>
+            </a:r>
+            <a:r>
+              <a:rPr lang="en-US" altLang="zh-TW" dirty="0" smtClean="0"/>
+              <a:t>)</a:t>
             </a:r>
             <a:endParaRPr lang="zh-TW" altLang="en-US" dirty="0"/>
           </a:p>
@@ -4416,7 +4964,7 @@
       </p:sp>
       <p:sp>
         <p:nvSpPr>
-          <p:cNvPr id="3" name="內容版面配置區 2"/>
+          <p:cNvPr id="5" name="內容版面配置區 2"/>
           <p:cNvSpPr>
             <a:spLocks noGrp="1"/>
           </p:cNvSpPr>
@@ -4426,22 +4974,107 @@
         </p:nvSpPr>
         <p:spPr>
           <a:xfrm>
-            <a:off x="1145649" y="2090651"/>
-            <a:ext cx="9872871" cy="4038600"/>
+            <a:off x="1145648" y="2090651"/>
+            <a:ext cx="4681573" cy="4038600"/>
           </a:xfrm>
         </p:spPr>
         <p:txBody>
-          <a:bodyPr/>
-          <a:lstStyle/>
-          <a:p>
-            <a:endParaRPr lang="zh-TW" altLang="en-US"/>
-          </a:p>
-        </p:txBody>
-      </p:sp>
+          <a:bodyPr>
+            <a:normAutofit/>
+          </a:bodyPr>
+          <a:lstStyle/>
+          <a:p>
+            <a:r>
+              <a:rPr lang="zh-TW" altLang="en-US" dirty="0" smtClean="0"/>
+              <a:t>當使用者透過</a:t>
+            </a:r>
+            <a:r>
+              <a:rPr lang="en-US" altLang="zh-TW" dirty="0" smtClean="0"/>
+              <a:t>API</a:t>
+            </a:r>
+            <a:r>
+              <a:rPr lang="zh-TW" altLang="en-US" dirty="0" smtClean="0"/>
+              <a:t>建立 </a:t>
+            </a:r>
+            <a:r>
+              <a:rPr lang="en-US" altLang="zh-TW" dirty="0" err="1" smtClean="0"/>
+              <a:t>create_task</a:t>
+            </a:r>
+            <a:r>
+              <a:rPr lang="zh-TW" altLang="en-US" dirty="0" smtClean="0"/>
+              <a:t> 任務，</a:t>
+            </a:r>
+            <a:r>
+              <a:rPr lang="en-US" altLang="zh-TW" dirty="0" err="1" smtClean="0"/>
+              <a:t>create_task</a:t>
+            </a:r>
+            <a:r>
+              <a:rPr lang="en-US" altLang="zh-TW" dirty="0" smtClean="0"/>
+              <a:t> </a:t>
+            </a:r>
+            <a:r>
+              <a:rPr lang="zh-TW" altLang="en-US" dirty="0" smtClean="0"/>
+              <a:t>會建立一組非同步任務流程。</a:t>
+            </a:r>
+            <a:endParaRPr lang="en-US" altLang="zh-TW" dirty="0" smtClean="0"/>
+          </a:p>
+          <a:p>
+            <a:r>
+              <a:rPr lang="zh-TW" altLang="en-US" dirty="0" smtClean="0"/>
+              <a:t>該流程為先建立貼標任務，結束貼標後會將任務參數包含貼標結果共享給上架任務，並根據啟動上架任務</a:t>
+            </a:r>
+            <a:endParaRPr lang="en-US" altLang="zh-TW" dirty="0" smtClean="0"/>
+          </a:p>
+          <a:p>
+            <a:r>
+              <a:rPr lang="zh-TW" altLang="en-US" dirty="0" smtClean="0"/>
+              <a:t>上架任務將貼標結果清理為不重複值並輸出至結果資料表，另外會儲存任務驗證資訊至 </a:t>
+            </a:r>
+            <a:r>
+              <a:rPr lang="en-US" altLang="zh-TW" dirty="0" smtClean="0"/>
+              <a:t>state</a:t>
+            </a:r>
+            <a:r>
+              <a:rPr lang="zh-TW" altLang="en-US" dirty="0" smtClean="0"/>
+              <a:t> 資料表。</a:t>
+            </a:r>
+            <a:endParaRPr lang="zh-TW" altLang="en-US" dirty="0"/>
+          </a:p>
+        </p:txBody>
+      </p:sp>
+      <p:pic>
+        <p:nvPicPr>
+          <p:cNvPr id="6" name="圖片 5"/>
+          <p:cNvPicPr>
+            <a:picLocks noChangeAspect="1"/>
+          </p:cNvPicPr>
+          <p:nvPr/>
+        </p:nvPicPr>
+        <p:blipFill rotWithShape="1">
+          <a:blip r:embed="rId2">
+            <a:extLst>
+              <a:ext uri="{28A0092B-C50C-407E-A947-70E740481C1C}">
+                <a14:useLocalDpi xmlns:a14="http://schemas.microsoft.com/office/drawing/2010/main" val="0"/>
+              </a:ext>
+            </a:extLst>
+          </a:blip>
+          <a:srcRect l="-78" t="62141" r="32437" b="16528"/>
+          <a:stretch/>
+        </p:blipFill>
+        <p:spPr>
+          <a:xfrm>
+            <a:off x="5918662" y="2383954"/>
+            <a:ext cx="5757025" cy="2133859"/>
+          </a:xfrm>
+          <a:prstGeom prst="rect">
+            <a:avLst/>
+          </a:prstGeom>
+        </p:spPr>
+      </p:pic>
     </p:spTree>
     <p:extLst>
       <p:ext uri="{BB962C8B-B14F-4D97-AF65-F5344CB8AC3E}">
-        <p14:creationId xmlns:p14="http://schemas.microsoft.com/office/powerpoint/2010/main" val="721701090"/>
+        <p14:creationId xmlns:p14="http://schemas.microsoft.com/office/powerpoint/2010/main" val="2298751182"/>
       </p:ext>
     </p:extLst>
   </p:cSld>
@@ -4485,7 +5118,23 @@
           <a:p>
             <a:r>
               <a:rPr lang="zh-TW" altLang="en-US" dirty="0" smtClean="0"/>
-              <a:t>專案環境建立</a:t>
+              <a:t>專案流程</a:t>
+            </a:r>
+            <a:r>
+              <a:rPr lang="en-US" altLang="zh-TW" dirty="0"/>
+              <a:t> </a:t>
+            </a:r>
+            <a:r>
+              <a:rPr lang="en-US" altLang="zh-TW" dirty="0" smtClean="0"/>
+              <a:t>(</a:t>
+            </a:r>
+            <a:r>
+              <a:rPr lang="en-US" altLang="zh-TW" dirty="0" smtClean="0"/>
+              <a:t>tasks</a:t>
+            </a:r>
+            <a:r>
+              <a:rPr lang="en-US" altLang="zh-TW" dirty="0" smtClean="0"/>
+              <a:t>)</a:t>
             </a:r>
             <a:endParaRPr lang="zh-TW" altLang="en-US" dirty="0"/>
           </a:p>
@@ -4493,7 +5142,7 @@
       </p:sp>
       <p:sp>
         <p:nvSpPr>
-          <p:cNvPr id="3" name="內容版面配置區 2"/>
+          <p:cNvPr id="5" name="內容版面配置區 2"/>
           <p:cNvSpPr>
             <a:spLocks noGrp="1"/>
           </p:cNvSpPr>
@@ -4501,19 +5150,136 @@
             <p:ph idx="1"/>
           </p:nvPr>
         </p:nvSpPr>
-        <p:spPr/>
-        <p:txBody>
-          <a:bodyPr/>
-          <a:lstStyle/>
-          <a:p>
-            <a:endParaRPr lang="zh-TW" altLang="en-US"/>
-          </a:p>
-        </p:txBody>
-      </p:sp>
+        <p:spPr>
+          <a:xfrm>
+            <a:off x="1145648" y="2090651"/>
+            <a:ext cx="4681573" cy="4038600"/>
+          </a:xfrm>
+        </p:spPr>
+        <p:txBody>
+          <a:bodyPr>
+            <a:normAutofit lnSpcReduction="10000"/>
+          </a:bodyPr>
+          <a:lstStyle/>
+          <a:p>
+            <a:r>
+              <a:rPr lang="zh-TW" altLang="en-US" dirty="0" smtClean="0"/>
+              <a:t>貼標任務接收到使用者定義之資料範圍，任務會透過生成器依據時間索引批次訪問資料庫</a:t>
+            </a:r>
+            <a:r>
+              <a:rPr lang="zh-TW" altLang="en-US" dirty="0" smtClean="0"/>
+              <a:t>。</a:t>
+            </a:r>
+            <a:endParaRPr lang="en-US" altLang="zh-TW" dirty="0" smtClean="0"/>
+          </a:p>
+          <a:p>
+            <a:r>
+              <a:rPr lang="zh-TW" altLang="en-US" dirty="0" smtClean="0"/>
+              <a:t>處理貼標資料並批次儲存至暫存資料表。</a:t>
+            </a:r>
+            <a:endParaRPr lang="en-US" altLang="zh-TW" dirty="0" smtClean="0"/>
+          </a:p>
+          <a:p>
+            <a:r>
+              <a:rPr lang="zh-TW" altLang="en-US" dirty="0" smtClean="0"/>
+              <a:t>過程中也會記錄貼標狀態至 </a:t>
+            </a:r>
+            <a:r>
+              <a:rPr lang="en-US" altLang="zh-TW" dirty="0" smtClean="0"/>
+              <a:t>state </a:t>
+            </a:r>
+            <a:r>
+              <a:rPr lang="zh-TW" altLang="en-US" dirty="0" smtClean="0"/>
+              <a:t>資料表</a:t>
+            </a:r>
+            <a:endParaRPr lang="en-US" altLang="zh-TW" dirty="0" smtClean="0"/>
+          </a:p>
+          <a:p>
+            <a:r>
+              <a:rPr lang="zh-TW" altLang="en-US" dirty="0" smtClean="0"/>
+              <a:t>上架任務根據貼標任務結果與共享參數，將暫存資料表中的貼標結果，清理並輸出至結果資料表。</a:t>
+            </a:r>
+            <a:endParaRPr lang="en-US" altLang="zh-TW" dirty="0" smtClean="0"/>
+          </a:p>
+          <a:p>
+            <a:r>
+              <a:rPr lang="zh-TW" altLang="en-US" dirty="0" smtClean="0"/>
+              <a:t>上架任務也會記錄任務狀態與驗證資訊至 </a:t>
+            </a:r>
+            <a:r>
+              <a:rPr lang="en-US" altLang="zh-TW" dirty="0" smtClean="0"/>
+              <a:t>state </a:t>
+            </a:r>
+            <a:r>
+              <a:rPr lang="zh-TW" altLang="en-US" dirty="0" smtClean="0"/>
+              <a:t>資料表。</a:t>
+            </a:r>
+            <a:endParaRPr lang="zh-TW" altLang="en-US" dirty="0"/>
+          </a:p>
+        </p:txBody>
+      </p:sp>
+      <p:pic>
+        <p:nvPicPr>
+          <p:cNvPr id="7" name="圖片 6"/>
+          <p:cNvPicPr>
+            <a:picLocks noChangeAspect="1"/>
+          </p:cNvPicPr>
+          <p:nvPr/>
+        </p:nvPicPr>
+        <p:blipFill rotWithShape="1">
+          <a:blip r:embed="rId2">
+            <a:extLst>
+              <a:ext uri="{28A0092B-C50C-407E-A947-70E740481C1C}">
+                <a14:useLocalDpi xmlns:a14="http://schemas.microsoft.com/office/drawing/2010/main" val="0"/>
+              </a:ext>
+            </a:extLst>
+          </a:blip>
+          <a:srcRect l="68080" t="-1" b="51232"/>
+          <a:stretch/>
+        </p:blipFill>
+        <p:spPr>
+          <a:xfrm>
+            <a:off x="6583679" y="1532313"/>
+            <a:ext cx="2369128" cy="4254267"/>
+          </a:xfrm>
+          <a:prstGeom prst="rect">
+            <a:avLst/>
+          </a:prstGeom>
+        </p:spPr>
+      </p:pic>
+      <p:pic>
+        <p:nvPicPr>
+          <p:cNvPr id="8" name="圖片 7"/>
+          <p:cNvPicPr>
+            <a:picLocks noChangeAspect="1"/>
+          </p:cNvPicPr>
+          <p:nvPr/>
+        </p:nvPicPr>
+        <p:blipFill rotWithShape="1">
+          <a:blip r:embed="rId2">
+            <a:extLst>
+              <a:ext uri="{28A0092B-C50C-407E-A947-70E740481C1C}">
+                <a14:useLocalDpi xmlns:a14="http://schemas.microsoft.com/office/drawing/2010/main" val="0"/>
+              </a:ext>
+            </a:extLst>
+          </a:blip>
+          <a:srcRect l="68080" t="49022" b="16342"/>
+          <a:stretch/>
+        </p:blipFill>
+        <p:spPr>
+          <a:xfrm>
+            <a:off x="9119059" y="2924107"/>
+            <a:ext cx="2244439" cy="2862474"/>
+          </a:xfrm>
+          <a:prstGeom prst="rect">
+            <a:avLst/>
+          </a:prstGeom>
+        </p:spPr>
+      </p:pic>
     </p:spTree>
     <p:extLst>
       <p:ext uri="{BB962C8B-B14F-4D97-AF65-F5344CB8AC3E}">
-        <p14:creationId xmlns:p14="http://schemas.microsoft.com/office/powerpoint/2010/main" val="3385147405"/>
+        <p14:creationId xmlns:p14="http://schemas.microsoft.com/office/powerpoint/2010/main" val="2074724507"/>
       </p:ext>
     </p:extLst>
   </p:cSld>
@@ -4557,7 +5323,7 @@
           <a:p>
             <a:r>
               <a:rPr lang="zh-TW" altLang="en-US" dirty="0" smtClean="0"/>
-              <a:t>專案使用方法</a:t>
+              <a:t>專案工具</a:t>
             </a:r>
             <a:endParaRPr lang="zh-TW" altLang="en-US" dirty="0"/>
           </a:p>
@@ -4573,19 +5339,129 @@
             <p:ph idx="1"/>
           </p:nvPr>
         </p:nvSpPr>
-        <p:spPr/>
-        <p:txBody>
-          <a:bodyPr/>
-          <a:lstStyle/>
-          <a:p>
-            <a:endParaRPr lang="zh-TW" altLang="en-US"/>
+        <p:spPr>
+          <a:xfrm>
+            <a:off x="1145649" y="2090651"/>
+            <a:ext cx="9872871" cy="4038600"/>
+          </a:xfrm>
+        </p:spPr>
+        <p:txBody>
+          <a:bodyPr>
+            <a:normAutofit/>
+          </a:bodyPr>
+          <a:lstStyle/>
+          <a:p>
+            <a:r>
+              <a:rPr lang="zh-TW" altLang="en-US" dirty="0" smtClean="0"/>
+              <a:t>此專案使用以下環境與工具開發 </a:t>
+            </a:r>
+            <a:r>
+              <a:rPr lang="en-US" altLang="zh-TW" dirty="0" smtClean="0"/>
+              <a:t>:</a:t>
+            </a:r>
+          </a:p>
+          <a:p>
+            <a:pPr lvl="1"/>
+            <a:r>
+              <a:rPr lang="en-US" altLang="zh-TW" dirty="0" smtClean="0"/>
+              <a:t>Windows 10</a:t>
+            </a:r>
+          </a:p>
+          <a:p>
+            <a:pPr lvl="1"/>
+            <a:r>
+              <a:rPr lang="en-US" altLang="zh-TW" dirty="0" smtClean="0"/>
+              <a:t>Docker</a:t>
+            </a:r>
+          </a:p>
+          <a:p>
+            <a:pPr lvl="1"/>
+            <a:r>
+              <a:rPr lang="en-US" altLang="zh-TW" dirty="0" err="1" smtClean="0"/>
+              <a:t>Redis</a:t>
+            </a:r>
+            <a:endParaRPr lang="en-US" altLang="zh-TW" dirty="0" smtClean="0"/>
+          </a:p>
+          <a:p>
+            <a:pPr lvl="1"/>
+            <a:r>
+              <a:rPr lang="en-US" altLang="zh-TW" dirty="0" err="1" smtClean="0"/>
+              <a:t>MariaDB</a:t>
+            </a:r>
+            <a:endParaRPr lang="en-US" altLang="zh-TW" dirty="0" smtClean="0"/>
+          </a:p>
+          <a:p>
+            <a:pPr lvl="1"/>
+            <a:r>
+              <a:rPr lang="en-US" altLang="zh-TW" dirty="0" smtClean="0"/>
+              <a:t>Python 3.8</a:t>
+            </a:r>
+          </a:p>
+          <a:p>
+            <a:pPr lvl="1"/>
+            <a:r>
+              <a:rPr lang="en-US" altLang="zh-TW" dirty="0" smtClean="0"/>
+              <a:t>Celery 5.1.2</a:t>
+            </a:r>
+          </a:p>
+          <a:p>
+            <a:pPr lvl="1"/>
+            <a:r>
+              <a:rPr lang="en-US" altLang="zh-TW" dirty="0" err="1" smtClean="0"/>
+              <a:t>FastAPI</a:t>
+            </a:r>
+            <a:r>
+              <a:rPr lang="en-US" altLang="zh-TW" dirty="0" smtClean="0"/>
+              <a:t> 0.68.1</a:t>
+            </a:r>
+          </a:p>
+          <a:p>
+            <a:r>
+              <a:rPr lang="zh-TW" altLang="en-US" dirty="0"/>
+              <a:t>此</a:t>
+            </a:r>
+            <a:r>
+              <a:rPr lang="zh-TW" altLang="en-US" dirty="0" smtClean="0"/>
+              <a:t>專案經由以下環境測試 </a:t>
+            </a:r>
+            <a:r>
+              <a:rPr lang="en-US" altLang="zh-TW" dirty="0"/>
+              <a:t>:</a:t>
+            </a:r>
+          </a:p>
+          <a:p>
+            <a:pPr lvl="1"/>
+            <a:r>
+              <a:rPr lang="en-US" altLang="zh-TW" dirty="0" smtClean="0"/>
+              <a:t>Windows </a:t>
+            </a:r>
+            <a:r>
+              <a:rPr lang="en-US" altLang="zh-TW" dirty="0"/>
+              <a:t>10 Python </a:t>
+            </a:r>
+            <a:r>
+              <a:rPr lang="en-US" altLang="zh-TW" dirty="0" smtClean="0"/>
+              <a:t>3.8</a:t>
+            </a:r>
+          </a:p>
+          <a:p>
+            <a:pPr lvl="1"/>
+            <a:r>
+              <a:rPr lang="en-US" altLang="zh-TW" dirty="0" smtClean="0"/>
+              <a:t>Ubuntu </a:t>
+            </a:r>
+            <a:r>
+              <a:rPr lang="en-US" altLang="zh-TW" dirty="0"/>
+              <a:t>18.04.5 LTS Python 3.8</a:t>
+            </a:r>
+            <a:endParaRPr lang="zh-TW" altLang="en-US" dirty="0"/>
           </a:p>
         </p:txBody>
       </p:sp>
     </p:spTree>
     <p:extLst>
       <p:ext uri="{BB962C8B-B14F-4D97-AF65-F5344CB8AC3E}">
-        <p14:creationId xmlns:p14="http://schemas.microsoft.com/office/powerpoint/2010/main" val="597121352"/>
+        <p14:creationId xmlns:p14="http://schemas.microsoft.com/office/powerpoint/2010/main" val="721701090"/>
       </p:ext>
     </p:extLst>
   </p:cSld>
@@ -4629,7 +5505,7 @@
           <a:p>
             <a:r>
               <a:rPr lang="zh-TW" altLang="en-US" dirty="0" smtClean="0"/>
-              <a:t>錯誤代碼說明</a:t>
+              <a:t>專案環境建立</a:t>
             </a:r>
             <a:endParaRPr lang="zh-TW" altLang="en-US" dirty="0"/>
           </a:p>
@@ -4650,14 +5526,116 @@
           <a:bodyPr/>
           <a:lstStyle/>
           <a:p>
-            <a:endParaRPr lang="zh-TW" altLang="en-US"/>
+            <a:r>
+              <a:rPr lang="zh-TW" altLang="en-US" dirty="0" smtClean="0"/>
+              <a:t>建立流程 </a:t>
+            </a:r>
+            <a:r>
+              <a:rPr lang="en-US" altLang="zh-TW" dirty="0" smtClean="0"/>
+              <a:t>:</a:t>
+            </a:r>
+            <a:r>
+              <a:rPr lang="zh-TW" altLang="en-US" dirty="0" smtClean="0"/>
+              <a:t> </a:t>
+            </a:r>
+            <a:endParaRPr lang="en-US" altLang="zh-TW" dirty="0" smtClean="0"/>
+          </a:p>
+          <a:p>
+            <a:pPr marL="731520" lvl="1" indent="-457200">
+              <a:buFont typeface="+mj-lt"/>
+              <a:buAutoNum type="arabicPeriod"/>
+            </a:pPr>
+            <a:r>
+              <a:rPr lang="zh-TW" altLang="en-US" dirty="0"/>
+              <a:t>先自行創建 </a:t>
+            </a:r>
+            <a:r>
+              <a:rPr lang="en-US" altLang="zh-TW" dirty="0"/>
+              <a:t>Docker </a:t>
+            </a:r>
+          </a:p>
+          <a:p>
+            <a:pPr marL="731520" lvl="1" indent="-457200">
+              <a:buFont typeface="+mj-lt"/>
+              <a:buAutoNum type="arabicPeriod"/>
+            </a:pPr>
+            <a:r>
+              <a:rPr lang="zh-TW" altLang="en-US" dirty="0"/>
+              <a:t>建立專案</a:t>
+            </a:r>
+            <a:r>
+              <a:rPr lang="zh-TW" altLang="en-US" dirty="0" smtClean="0"/>
+              <a:t>環境匯入套件</a:t>
+            </a:r>
+            <a:endParaRPr lang="en-US" altLang="zh-TW" dirty="0"/>
+          </a:p>
+          <a:p>
+            <a:pPr marL="731520" lvl="1" indent="-457200">
+              <a:buFont typeface="+mj-lt"/>
+              <a:buAutoNum type="arabicPeriod"/>
+            </a:pPr>
+            <a:r>
+              <a:rPr lang="zh-TW" altLang="en-US" dirty="0"/>
+              <a:t>設定環境變數</a:t>
+            </a:r>
+            <a:endParaRPr lang="en-US" altLang="zh-TW" dirty="0"/>
+          </a:p>
+          <a:p>
+            <a:pPr marL="731520" lvl="1" indent="-457200">
+              <a:buFont typeface="+mj-lt"/>
+              <a:buAutoNum type="arabicPeriod"/>
+            </a:pPr>
+            <a:r>
+              <a:rPr lang="zh-TW" altLang="en-US" dirty="0"/>
+              <a:t>啟動 </a:t>
+            </a:r>
+            <a:r>
+              <a:rPr lang="en-US" altLang="zh-TW" dirty="0"/>
+              <a:t>celery worker</a:t>
+            </a:r>
+          </a:p>
+          <a:p>
+            <a:pPr marL="731520" lvl="1" indent="-457200">
+              <a:buFont typeface="+mj-lt"/>
+              <a:buAutoNum type="arabicPeriod"/>
+            </a:pPr>
+            <a:r>
+              <a:rPr lang="zh-TW" altLang="en-US" dirty="0"/>
+              <a:t>啟動 </a:t>
+            </a:r>
+            <a:r>
+              <a:rPr lang="en-US" altLang="zh-TW" dirty="0" smtClean="0"/>
+              <a:t>API</a:t>
+            </a:r>
+          </a:p>
+          <a:p>
+            <a:r>
+              <a:rPr lang="zh-TW" altLang="en-US" dirty="0" smtClean="0"/>
+              <a:t>詳細建立流程請參考 </a:t>
+            </a:r>
+            <a:r>
+              <a:rPr lang="en-US" altLang="zh-TW" dirty="0">
+                <a:hlinkClick r:id="rId2"/>
+              </a:rPr>
+              <a:t>Audience API : Quick start</a:t>
+            </a:r>
+            <a:endParaRPr lang="en-US" altLang="zh-TW" dirty="0"/>
+          </a:p>
+          <a:p>
+            <a:pPr marL="45720" indent="0">
+              <a:buNone/>
+            </a:pPr>
+            <a:endParaRPr lang="en-US" altLang="zh-TW" dirty="0" smtClean="0"/>
+          </a:p>
+          <a:p>
+            <a:endParaRPr lang="zh-TW" altLang="en-US" dirty="0"/>
           </a:p>
         </p:txBody>
       </p:sp>
     </p:spTree>
     <p:extLst>
       <p:ext uri="{BB962C8B-B14F-4D97-AF65-F5344CB8AC3E}">
-        <p14:creationId xmlns:p14="http://schemas.microsoft.com/office/powerpoint/2010/main" val="2835559372"/>
+        <p14:creationId xmlns:p14="http://schemas.microsoft.com/office/powerpoint/2010/main" val="3385147405"/>
       </p:ext>
     </p:extLst>
   </p:cSld>
